--- a/lecture05.viz.data.shaping/lecture05.pptx
+++ b/lecture05.viz.data.shaping/lecture05.pptx
@@ -5,7 +5,7 @@
     <p:sldMasterId id="2147483648" r:id="rId1"/>
   </p:sldMasterIdLst>
   <p:notesMasterIdLst>
-    <p:notesMasterId r:id="rId44"/>
+    <p:notesMasterId r:id="rId53"/>
   </p:notesMasterIdLst>
   <p:sldIdLst>
     <p:sldId id="256" r:id="rId2"/>
@@ -32,24 +32,33 @@
     <p:sldId id="311" r:id="rId23"/>
     <p:sldId id="312" r:id="rId24"/>
     <p:sldId id="313" r:id="rId25"/>
-    <p:sldId id="314" r:id="rId26"/>
-    <p:sldId id="320" r:id="rId27"/>
-    <p:sldId id="278" r:id="rId28"/>
-    <p:sldId id="279" r:id="rId29"/>
-    <p:sldId id="280" r:id="rId30"/>
-    <p:sldId id="281" r:id="rId31"/>
-    <p:sldId id="282" r:id="rId32"/>
-    <p:sldId id="283" r:id="rId33"/>
-    <p:sldId id="284" r:id="rId34"/>
-    <p:sldId id="285" r:id="rId35"/>
-    <p:sldId id="286" r:id="rId36"/>
-    <p:sldId id="321" r:id="rId37"/>
-    <p:sldId id="291" r:id="rId38"/>
-    <p:sldId id="292" r:id="rId39"/>
-    <p:sldId id="293" r:id="rId40"/>
-    <p:sldId id="294" r:id="rId41"/>
-    <p:sldId id="295" r:id="rId42"/>
-    <p:sldId id="296" r:id="rId43"/>
+    <p:sldId id="333" r:id="rId26"/>
+    <p:sldId id="325" r:id="rId27"/>
+    <p:sldId id="326" r:id="rId28"/>
+    <p:sldId id="327" r:id="rId29"/>
+    <p:sldId id="328" r:id="rId30"/>
+    <p:sldId id="329" r:id="rId31"/>
+    <p:sldId id="330" r:id="rId32"/>
+    <p:sldId id="331" r:id="rId33"/>
+    <p:sldId id="332" r:id="rId34"/>
+    <p:sldId id="314" r:id="rId35"/>
+    <p:sldId id="320" r:id="rId36"/>
+    <p:sldId id="278" r:id="rId37"/>
+    <p:sldId id="279" r:id="rId38"/>
+    <p:sldId id="280" r:id="rId39"/>
+    <p:sldId id="281" r:id="rId40"/>
+    <p:sldId id="282" r:id="rId41"/>
+    <p:sldId id="283" r:id="rId42"/>
+    <p:sldId id="284" r:id="rId43"/>
+    <p:sldId id="285" r:id="rId44"/>
+    <p:sldId id="286" r:id="rId45"/>
+    <p:sldId id="321" r:id="rId46"/>
+    <p:sldId id="291" r:id="rId47"/>
+    <p:sldId id="292" r:id="rId48"/>
+    <p:sldId id="293" r:id="rId49"/>
+    <p:sldId id="294" r:id="rId50"/>
+    <p:sldId id="295" r:id="rId51"/>
+    <p:sldId id="296" r:id="rId52"/>
   </p:sldIdLst>
   <p:sldSz cx="12192000" cy="6858000"/>
   <p:notesSz cx="6858000" cy="9144000"/>
@@ -3382,11 +3391,7 @@
           <a:p>
             <a:r>
               <a:rPr lang="en-US" dirty="0" smtClean="0"/>
-              <a:t>Data </a:t>
-            </a:r>
-            <a:r>
-              <a:rPr lang="en-US" dirty="0" smtClean="0"/>
-              <a:t>Shaping &amp; </a:t>
+              <a:t>Data Shaping &amp; </a:t>
             </a:r>
             <a:br>
               <a:rPr lang="en-US" dirty="0" smtClean="0"/>
@@ -3537,14 +3542,12 @@
               <a:rPr lang="en-US" b="1" dirty="0" smtClean="0"/>
               <a:t>Clean</a:t>
             </a:r>
-            <a:endParaRPr lang="en-US" b="1" dirty="0" smtClean="0"/>
           </a:p>
           <a:p>
             <a:r>
               <a:rPr lang="en-US" dirty="0" smtClean="0"/>
               <a:t>Tableau</a:t>
             </a:r>
-            <a:endParaRPr lang="en-US" dirty="0" smtClean="0"/>
           </a:p>
           <a:p>
             <a:r>
@@ -5516,14 +5519,12 @@
               <a:rPr lang="en-US" dirty="0" smtClean="0"/>
               <a:t>Clean</a:t>
             </a:r>
-            <a:endParaRPr lang="en-US" dirty="0" smtClean="0"/>
           </a:p>
           <a:p>
             <a:r>
               <a:rPr lang="en-US" dirty="0" smtClean="0"/>
               <a:t>Tableau</a:t>
             </a:r>
-            <a:endParaRPr lang="en-US" dirty="0" smtClean="0"/>
           </a:p>
           <a:p>
             <a:r>
@@ -6550,6 +6551,836 @@
             <p:ph type="title"/>
           </p:nvPr>
         </p:nvSpPr>
+        <p:spPr/>
+        <p:txBody>
+          <a:bodyPr/>
+          <a:lstStyle/>
+          <a:p>
+            <a:r>
+              <a:rPr lang="en-US" dirty="0" smtClean="0"/>
+              <a:t>Stacking &amp; Unstacking</a:t>
+            </a:r>
+            <a:endParaRPr lang="en-US" dirty="0"/>
+          </a:p>
+        </p:txBody>
+      </p:sp>
+      <p:sp>
+        <p:nvSpPr>
+          <p:cNvPr id="3" name="Content Placeholder 2"/>
+          <p:cNvSpPr>
+            <a:spLocks noGrp="1"/>
+          </p:cNvSpPr>
+          <p:nvPr>
+            <p:ph idx="1"/>
+          </p:nvPr>
+        </p:nvSpPr>
+        <p:spPr/>
+        <p:txBody>
+          <a:bodyPr/>
+          <a:lstStyle/>
+          <a:p>
+            <a:r>
+              <a:rPr lang="en-US" b="1" dirty="0"/>
+              <a:t>stack</a:t>
+            </a:r>
+            <a:r>
+              <a:rPr lang="en-US" dirty="0"/>
+              <a:t>: this “rotates” or pivots from the columns in the data to the rows</a:t>
+            </a:r>
+          </a:p>
+          <a:p>
+            <a:r>
+              <a:rPr lang="en-US" b="1" dirty="0"/>
+              <a:t>unstack</a:t>
+            </a:r>
+            <a:r>
+              <a:rPr lang="en-US" dirty="0"/>
+              <a:t>: this pivots from the rows into the columns</a:t>
+            </a:r>
+          </a:p>
+          <a:p>
+            <a:endParaRPr lang="en-US" dirty="0"/>
+          </a:p>
+        </p:txBody>
+      </p:sp>
+    </p:spTree>
+    <p:extLst>
+      <p:ext uri="{BB962C8B-B14F-4D97-AF65-F5344CB8AC3E}">
+        <p14:creationId xmlns:p14="http://schemas.microsoft.com/office/powerpoint/2010/main" val="630449334"/>
+      </p:ext>
+    </p:extLst>
+  </p:cSld>
+  <p:clrMapOvr>
+    <a:masterClrMapping/>
+  </p:clrMapOvr>
+</p:sld>
+</file>
+
+<file path=ppt/slides/slide26.xml><?xml version="1.0" encoding="utf-8"?>
+<p:sld xmlns:a="http://schemas.openxmlformats.org/drawingml/2006/main" xmlns:r="http://schemas.openxmlformats.org/officeDocument/2006/relationships" xmlns:p="http://schemas.openxmlformats.org/presentationml/2006/main">
+  <p:cSld>
+    <p:spTree>
+      <p:nvGrpSpPr>
+        <p:cNvPr id="1" name=""/>
+        <p:cNvGrpSpPr/>
+        <p:nvPr/>
+      </p:nvGrpSpPr>
+      <p:grpSpPr>
+        <a:xfrm>
+          <a:off x="0" y="0"/>
+          <a:ext cx="0" cy="0"/>
+          <a:chOff x="0" y="0"/>
+          <a:chExt cx="0" cy="0"/>
+        </a:xfrm>
+      </p:grpSpPr>
+      <p:sp>
+        <p:nvSpPr>
+          <p:cNvPr id="2" name="Title 1"/>
+          <p:cNvSpPr>
+            <a:spLocks noGrp="1"/>
+          </p:cNvSpPr>
+          <p:nvPr>
+            <p:ph type="title"/>
+          </p:nvPr>
+        </p:nvSpPr>
+        <p:spPr/>
+        <p:txBody>
+          <a:bodyPr/>
+          <a:lstStyle/>
+          <a:p>
+            <a:r>
+              <a:rPr lang="en-US" dirty="0" smtClean="0"/>
+              <a:t>Stacking</a:t>
+            </a:r>
+            <a:endParaRPr lang="en-US" dirty="0"/>
+          </a:p>
+        </p:txBody>
+      </p:sp>
+      <p:pic>
+        <p:nvPicPr>
+          <p:cNvPr id="5" name="Picture 4"/>
+          <p:cNvPicPr>
+            <a:picLocks noChangeAspect="1"/>
+          </p:cNvPicPr>
+          <p:nvPr/>
+        </p:nvPicPr>
+        <p:blipFill>
+          <a:blip r:embed="rId2">
+            <a:extLst>
+              <a:ext uri="{28A0092B-C50C-407E-A947-70E740481C1C}">
+                <a14:useLocalDpi xmlns:a14="http://schemas.microsoft.com/office/drawing/2010/main" val="0"/>
+              </a:ext>
+            </a:extLst>
+          </a:blip>
+          <a:stretch>
+            <a:fillRect/>
+          </a:stretch>
+        </p:blipFill>
+        <p:spPr>
+          <a:xfrm>
+            <a:off x="1003300" y="1714500"/>
+            <a:ext cx="10172700" cy="3416300"/>
+          </a:xfrm>
+          <a:prstGeom prst="rect">
+            <a:avLst/>
+          </a:prstGeom>
+        </p:spPr>
+      </p:pic>
+    </p:spTree>
+    <p:extLst>
+      <p:ext uri="{BB962C8B-B14F-4D97-AF65-F5344CB8AC3E}">
+        <p14:creationId xmlns:p14="http://schemas.microsoft.com/office/powerpoint/2010/main" val="311372475"/>
+      </p:ext>
+    </p:extLst>
+  </p:cSld>
+  <p:clrMapOvr>
+    <a:masterClrMapping/>
+  </p:clrMapOvr>
+</p:sld>
+</file>
+
+<file path=ppt/slides/slide27.xml><?xml version="1.0" encoding="utf-8"?>
+<p:sld xmlns:a="http://schemas.openxmlformats.org/drawingml/2006/main" xmlns:r="http://schemas.openxmlformats.org/officeDocument/2006/relationships" xmlns:p="http://schemas.openxmlformats.org/presentationml/2006/main">
+  <p:cSld>
+    <p:spTree>
+      <p:nvGrpSpPr>
+        <p:cNvPr id="1" name=""/>
+        <p:cNvGrpSpPr/>
+        <p:nvPr/>
+      </p:nvGrpSpPr>
+      <p:grpSpPr>
+        <a:xfrm>
+          <a:off x="0" y="0"/>
+          <a:ext cx="0" cy="0"/>
+          <a:chOff x="0" y="0"/>
+          <a:chExt cx="0" cy="0"/>
+        </a:xfrm>
+      </p:grpSpPr>
+      <p:sp>
+        <p:nvSpPr>
+          <p:cNvPr id="2" name="Title 1"/>
+          <p:cNvSpPr>
+            <a:spLocks noGrp="1"/>
+          </p:cNvSpPr>
+          <p:nvPr>
+            <p:ph type="title"/>
+          </p:nvPr>
+        </p:nvSpPr>
+        <p:spPr/>
+        <p:txBody>
+          <a:bodyPr/>
+          <a:lstStyle/>
+          <a:p>
+            <a:r>
+              <a:rPr lang="en-US" dirty="0" smtClean="0"/>
+              <a:t>Stacking</a:t>
+            </a:r>
+            <a:endParaRPr lang="en-US" dirty="0"/>
+          </a:p>
+        </p:txBody>
+      </p:sp>
+      <p:pic>
+        <p:nvPicPr>
+          <p:cNvPr id="3" name="Picture 2"/>
+          <p:cNvPicPr>
+            <a:picLocks noChangeAspect="1"/>
+          </p:cNvPicPr>
+          <p:nvPr/>
+        </p:nvPicPr>
+        <p:blipFill>
+          <a:blip r:embed="rId2">
+            <a:extLst>
+              <a:ext uri="{28A0092B-C50C-407E-A947-70E740481C1C}">
+                <a14:useLocalDpi xmlns:a14="http://schemas.microsoft.com/office/drawing/2010/main" val="0"/>
+              </a:ext>
+            </a:extLst>
+          </a:blip>
+          <a:stretch>
+            <a:fillRect/>
+          </a:stretch>
+        </p:blipFill>
+        <p:spPr>
+          <a:xfrm>
+            <a:off x="1955800" y="1828800"/>
+            <a:ext cx="8267700" cy="3200400"/>
+          </a:xfrm>
+          <a:prstGeom prst="rect">
+            <a:avLst/>
+          </a:prstGeom>
+        </p:spPr>
+      </p:pic>
+    </p:spTree>
+    <p:extLst>
+      <p:ext uri="{BB962C8B-B14F-4D97-AF65-F5344CB8AC3E}">
+        <p14:creationId xmlns:p14="http://schemas.microsoft.com/office/powerpoint/2010/main" val="1396215113"/>
+      </p:ext>
+    </p:extLst>
+  </p:cSld>
+  <p:clrMapOvr>
+    <a:masterClrMapping/>
+  </p:clrMapOvr>
+</p:sld>
+</file>
+
+<file path=ppt/slides/slide28.xml><?xml version="1.0" encoding="utf-8"?>
+<p:sld xmlns:a="http://schemas.openxmlformats.org/drawingml/2006/main" xmlns:r="http://schemas.openxmlformats.org/officeDocument/2006/relationships" xmlns:p="http://schemas.openxmlformats.org/presentationml/2006/main">
+  <p:cSld>
+    <p:spTree>
+      <p:nvGrpSpPr>
+        <p:cNvPr id="1" name=""/>
+        <p:cNvGrpSpPr/>
+        <p:nvPr/>
+      </p:nvGrpSpPr>
+      <p:grpSpPr>
+        <a:xfrm>
+          <a:off x="0" y="0"/>
+          <a:ext cx="0" cy="0"/>
+          <a:chOff x="0" y="0"/>
+          <a:chExt cx="0" cy="0"/>
+        </a:xfrm>
+      </p:grpSpPr>
+      <p:sp>
+        <p:nvSpPr>
+          <p:cNvPr id="2" name="Title 1"/>
+          <p:cNvSpPr>
+            <a:spLocks noGrp="1"/>
+          </p:cNvSpPr>
+          <p:nvPr>
+            <p:ph type="title"/>
+          </p:nvPr>
+        </p:nvSpPr>
+        <p:spPr/>
+        <p:txBody>
+          <a:bodyPr/>
+          <a:lstStyle/>
+          <a:p>
+            <a:r>
+              <a:rPr lang="en-US" dirty="0" smtClean="0"/>
+              <a:t>Stacking</a:t>
+            </a:r>
+            <a:endParaRPr lang="en-US" dirty="0"/>
+          </a:p>
+        </p:txBody>
+      </p:sp>
+      <p:pic>
+        <p:nvPicPr>
+          <p:cNvPr id="3" name="Picture 2"/>
+          <p:cNvPicPr>
+            <a:picLocks noChangeAspect="1"/>
+          </p:cNvPicPr>
+          <p:nvPr/>
+        </p:nvPicPr>
+        <p:blipFill>
+          <a:blip r:embed="rId2">
+            <a:extLst>
+              <a:ext uri="{28A0092B-C50C-407E-A947-70E740481C1C}">
+                <a14:useLocalDpi xmlns:a14="http://schemas.microsoft.com/office/drawing/2010/main" val="0"/>
+              </a:ext>
+            </a:extLst>
+          </a:blip>
+          <a:stretch>
+            <a:fillRect/>
+          </a:stretch>
+        </p:blipFill>
+        <p:spPr>
+          <a:xfrm>
+            <a:off x="2120900" y="2108200"/>
+            <a:ext cx="7950200" cy="2628900"/>
+          </a:xfrm>
+          <a:prstGeom prst="rect">
+            <a:avLst/>
+          </a:prstGeom>
+        </p:spPr>
+      </p:pic>
+    </p:spTree>
+    <p:extLst>
+      <p:ext uri="{BB962C8B-B14F-4D97-AF65-F5344CB8AC3E}">
+        <p14:creationId xmlns:p14="http://schemas.microsoft.com/office/powerpoint/2010/main" val="633593422"/>
+      </p:ext>
+    </p:extLst>
+  </p:cSld>
+  <p:clrMapOvr>
+    <a:masterClrMapping/>
+  </p:clrMapOvr>
+</p:sld>
+</file>
+
+<file path=ppt/slides/slide29.xml><?xml version="1.0" encoding="utf-8"?>
+<p:sld xmlns:a="http://schemas.openxmlformats.org/drawingml/2006/main" xmlns:r="http://schemas.openxmlformats.org/officeDocument/2006/relationships" xmlns:p="http://schemas.openxmlformats.org/presentationml/2006/main">
+  <p:cSld>
+    <p:spTree>
+      <p:nvGrpSpPr>
+        <p:cNvPr id="1" name=""/>
+        <p:cNvGrpSpPr/>
+        <p:nvPr/>
+      </p:nvGrpSpPr>
+      <p:grpSpPr>
+        <a:xfrm>
+          <a:off x="0" y="0"/>
+          <a:ext cx="0" cy="0"/>
+          <a:chOff x="0" y="0"/>
+          <a:chExt cx="0" cy="0"/>
+        </a:xfrm>
+      </p:grpSpPr>
+      <p:sp>
+        <p:nvSpPr>
+          <p:cNvPr id="2" name="Title 1"/>
+          <p:cNvSpPr>
+            <a:spLocks noGrp="1"/>
+          </p:cNvSpPr>
+          <p:nvPr>
+            <p:ph type="title"/>
+          </p:nvPr>
+        </p:nvSpPr>
+        <p:spPr/>
+        <p:txBody>
+          <a:bodyPr/>
+          <a:lstStyle/>
+          <a:p>
+            <a:r>
+              <a:rPr lang="en-US" dirty="0" smtClean="0"/>
+              <a:t>Stacking</a:t>
+            </a:r>
+            <a:endParaRPr lang="en-US" dirty="0"/>
+          </a:p>
+        </p:txBody>
+      </p:sp>
+      <p:pic>
+        <p:nvPicPr>
+          <p:cNvPr id="3" name="Picture 2"/>
+          <p:cNvPicPr>
+            <a:picLocks noChangeAspect="1"/>
+          </p:cNvPicPr>
+          <p:nvPr/>
+        </p:nvPicPr>
+        <p:blipFill>
+          <a:blip r:embed="rId2">
+            <a:extLst>
+              <a:ext uri="{28A0092B-C50C-407E-A947-70E740481C1C}">
+                <a14:useLocalDpi xmlns:a14="http://schemas.microsoft.com/office/drawing/2010/main" val="0"/>
+              </a:ext>
+            </a:extLst>
+          </a:blip>
+          <a:stretch>
+            <a:fillRect/>
+          </a:stretch>
+        </p:blipFill>
+        <p:spPr>
+          <a:xfrm>
+            <a:off x="2082800" y="1905000"/>
+            <a:ext cx="8026400" cy="3048000"/>
+          </a:xfrm>
+          <a:prstGeom prst="rect">
+            <a:avLst/>
+          </a:prstGeom>
+        </p:spPr>
+      </p:pic>
+    </p:spTree>
+    <p:extLst>
+      <p:ext uri="{BB962C8B-B14F-4D97-AF65-F5344CB8AC3E}">
+        <p14:creationId xmlns:p14="http://schemas.microsoft.com/office/powerpoint/2010/main" val="1580721728"/>
+      </p:ext>
+    </p:extLst>
+  </p:cSld>
+  <p:clrMapOvr>
+    <a:masterClrMapping/>
+  </p:clrMapOvr>
+</p:sld>
+</file>
+
+<file path=ppt/slides/slide3.xml><?xml version="1.0" encoding="utf-8"?>
+<p:sld xmlns:a="http://schemas.openxmlformats.org/drawingml/2006/main" xmlns:r="http://schemas.openxmlformats.org/officeDocument/2006/relationships" xmlns:p="http://schemas.openxmlformats.org/presentationml/2006/main">
+  <p:cSld>
+    <p:spTree>
+      <p:nvGrpSpPr>
+        <p:cNvPr id="1" name=""/>
+        <p:cNvGrpSpPr/>
+        <p:nvPr/>
+      </p:nvGrpSpPr>
+      <p:grpSpPr>
+        <a:xfrm>
+          <a:off x="0" y="0"/>
+          <a:ext cx="0" cy="0"/>
+          <a:chOff x="0" y="0"/>
+          <a:chExt cx="0" cy="0"/>
+        </a:xfrm>
+      </p:grpSpPr>
+      <p:sp>
+        <p:nvSpPr>
+          <p:cNvPr id="2" name="Title 1"/>
+          <p:cNvSpPr>
+            <a:spLocks noGrp="1"/>
+          </p:cNvSpPr>
+          <p:nvPr>
+            <p:ph type="title"/>
+          </p:nvPr>
+        </p:nvSpPr>
+        <p:spPr>
+          <a:xfrm>
+            <a:off x="895350" y="2411095"/>
+            <a:ext cx="10515600" cy="1325563"/>
+          </a:xfrm>
+        </p:spPr>
+        <p:txBody>
+          <a:bodyPr/>
+          <a:lstStyle/>
+          <a:p>
+            <a:pPr algn="ctr"/>
+            <a:r>
+              <a:rPr lang="en-US" dirty="0" smtClean="0"/>
+              <a:t>Midterm</a:t>
+            </a:r>
+            <a:endParaRPr lang="en-US" dirty="0"/>
+          </a:p>
+        </p:txBody>
+      </p:sp>
+    </p:spTree>
+    <p:extLst>
+      <p:ext uri="{BB962C8B-B14F-4D97-AF65-F5344CB8AC3E}">
+        <p14:creationId xmlns:p14="http://schemas.microsoft.com/office/powerpoint/2010/main" val="1646371099"/>
+      </p:ext>
+    </p:extLst>
+  </p:cSld>
+  <p:clrMapOvr>
+    <a:masterClrMapping/>
+  </p:clrMapOvr>
+  <p:timing>
+    <p:tnLst>
+      <p:par>
+        <p:cTn id="1" dur="indefinite" restart="never" nodeType="tmRoot"/>
+      </p:par>
+    </p:tnLst>
+  </p:timing>
+</p:sld>
+</file>
+
+<file path=ppt/slides/slide30.xml><?xml version="1.0" encoding="utf-8"?>
+<p:sld xmlns:a="http://schemas.openxmlformats.org/drawingml/2006/main" xmlns:r="http://schemas.openxmlformats.org/officeDocument/2006/relationships" xmlns:p="http://schemas.openxmlformats.org/presentationml/2006/main">
+  <p:cSld>
+    <p:spTree>
+      <p:nvGrpSpPr>
+        <p:cNvPr id="1" name=""/>
+        <p:cNvGrpSpPr/>
+        <p:nvPr/>
+      </p:nvGrpSpPr>
+      <p:grpSpPr>
+        <a:xfrm>
+          <a:off x="0" y="0"/>
+          <a:ext cx="0" cy="0"/>
+          <a:chOff x="0" y="0"/>
+          <a:chExt cx="0" cy="0"/>
+        </a:xfrm>
+      </p:grpSpPr>
+      <p:sp>
+        <p:nvSpPr>
+          <p:cNvPr id="2" name="Title 1"/>
+          <p:cNvSpPr>
+            <a:spLocks noGrp="1"/>
+          </p:cNvSpPr>
+          <p:nvPr>
+            <p:ph type="title"/>
+          </p:nvPr>
+        </p:nvSpPr>
+        <p:spPr/>
+        <p:txBody>
+          <a:bodyPr/>
+          <a:lstStyle/>
+          <a:p>
+            <a:r>
+              <a:rPr lang="en-US" dirty="0" smtClean="0"/>
+              <a:t>Stacking</a:t>
+            </a:r>
+            <a:endParaRPr lang="en-US" dirty="0"/>
+          </a:p>
+        </p:txBody>
+      </p:sp>
+      <p:pic>
+        <p:nvPicPr>
+          <p:cNvPr id="3" name="Picture 2"/>
+          <p:cNvPicPr>
+            <a:picLocks noChangeAspect="1"/>
+          </p:cNvPicPr>
+          <p:nvPr/>
+        </p:nvPicPr>
+        <p:blipFill>
+          <a:blip r:embed="rId2">
+            <a:extLst>
+              <a:ext uri="{28A0092B-C50C-407E-A947-70E740481C1C}">
+                <a14:useLocalDpi xmlns:a14="http://schemas.microsoft.com/office/drawing/2010/main" val="0"/>
+              </a:ext>
+            </a:extLst>
+          </a:blip>
+          <a:stretch>
+            <a:fillRect/>
+          </a:stretch>
+        </p:blipFill>
+        <p:spPr>
+          <a:xfrm>
+            <a:off x="2019300" y="1803400"/>
+            <a:ext cx="8140700" cy="3238500"/>
+          </a:xfrm>
+          <a:prstGeom prst="rect">
+            <a:avLst/>
+          </a:prstGeom>
+        </p:spPr>
+      </p:pic>
+    </p:spTree>
+    <p:extLst>
+      <p:ext uri="{BB962C8B-B14F-4D97-AF65-F5344CB8AC3E}">
+        <p14:creationId xmlns:p14="http://schemas.microsoft.com/office/powerpoint/2010/main" val="669885459"/>
+      </p:ext>
+    </p:extLst>
+  </p:cSld>
+  <p:clrMapOvr>
+    <a:masterClrMapping/>
+  </p:clrMapOvr>
+</p:sld>
+</file>
+
+<file path=ppt/slides/slide31.xml><?xml version="1.0" encoding="utf-8"?>
+<p:sld xmlns:a="http://schemas.openxmlformats.org/drawingml/2006/main" xmlns:r="http://schemas.openxmlformats.org/officeDocument/2006/relationships" xmlns:p="http://schemas.openxmlformats.org/presentationml/2006/main">
+  <p:cSld>
+    <p:spTree>
+      <p:nvGrpSpPr>
+        <p:cNvPr id="1" name=""/>
+        <p:cNvGrpSpPr/>
+        <p:nvPr/>
+      </p:nvGrpSpPr>
+      <p:grpSpPr>
+        <a:xfrm>
+          <a:off x="0" y="0"/>
+          <a:ext cx="0" cy="0"/>
+          <a:chOff x="0" y="0"/>
+          <a:chExt cx="0" cy="0"/>
+        </a:xfrm>
+      </p:grpSpPr>
+      <p:sp>
+        <p:nvSpPr>
+          <p:cNvPr id="2" name="Title 1"/>
+          <p:cNvSpPr>
+            <a:spLocks noGrp="1"/>
+          </p:cNvSpPr>
+          <p:nvPr>
+            <p:ph type="title"/>
+          </p:nvPr>
+        </p:nvSpPr>
+        <p:spPr/>
+        <p:txBody>
+          <a:bodyPr/>
+          <a:lstStyle/>
+          <a:p>
+            <a:r>
+              <a:rPr lang="en-US" dirty="0" smtClean="0"/>
+              <a:t>Stacking : may introduce Missing Values</a:t>
+            </a:r>
+            <a:endParaRPr lang="en-US" dirty="0"/>
+          </a:p>
+        </p:txBody>
+      </p:sp>
+      <p:pic>
+        <p:nvPicPr>
+          <p:cNvPr id="3" name="Picture 2"/>
+          <p:cNvPicPr>
+            <a:picLocks noChangeAspect="1"/>
+          </p:cNvPicPr>
+          <p:nvPr/>
+        </p:nvPicPr>
+        <p:blipFill>
+          <a:blip r:embed="rId2">
+            <a:extLst>
+              <a:ext uri="{28A0092B-C50C-407E-A947-70E740481C1C}">
+                <a14:useLocalDpi xmlns:a14="http://schemas.microsoft.com/office/drawing/2010/main" val="0"/>
+              </a:ext>
+            </a:extLst>
+          </a:blip>
+          <a:stretch>
+            <a:fillRect/>
+          </a:stretch>
+        </p:blipFill>
+        <p:spPr>
+          <a:xfrm>
+            <a:off x="1320800" y="1917700"/>
+            <a:ext cx="9550400" cy="3022600"/>
+          </a:xfrm>
+          <a:prstGeom prst="rect">
+            <a:avLst/>
+          </a:prstGeom>
+        </p:spPr>
+      </p:pic>
+    </p:spTree>
+    <p:extLst>
+      <p:ext uri="{BB962C8B-B14F-4D97-AF65-F5344CB8AC3E}">
+        <p14:creationId xmlns:p14="http://schemas.microsoft.com/office/powerpoint/2010/main" val="1655631839"/>
+      </p:ext>
+    </p:extLst>
+  </p:cSld>
+  <p:clrMapOvr>
+    <a:masterClrMapping/>
+  </p:clrMapOvr>
+</p:sld>
+</file>
+
+<file path=ppt/slides/slide32.xml><?xml version="1.0" encoding="utf-8"?>
+<p:sld xmlns:a="http://schemas.openxmlformats.org/drawingml/2006/main" xmlns:r="http://schemas.openxmlformats.org/officeDocument/2006/relationships" xmlns:p="http://schemas.openxmlformats.org/presentationml/2006/main">
+  <p:cSld>
+    <p:spTree>
+      <p:nvGrpSpPr>
+        <p:cNvPr id="1" name=""/>
+        <p:cNvGrpSpPr/>
+        <p:nvPr/>
+      </p:nvGrpSpPr>
+      <p:grpSpPr>
+        <a:xfrm>
+          <a:off x="0" y="0"/>
+          <a:ext cx="0" cy="0"/>
+          <a:chOff x="0" y="0"/>
+          <a:chExt cx="0" cy="0"/>
+        </a:xfrm>
+      </p:grpSpPr>
+      <p:sp>
+        <p:nvSpPr>
+          <p:cNvPr id="2" name="Title 1"/>
+          <p:cNvSpPr>
+            <a:spLocks noGrp="1"/>
+          </p:cNvSpPr>
+          <p:nvPr>
+            <p:ph type="title"/>
+          </p:nvPr>
+        </p:nvSpPr>
+        <p:spPr/>
+        <p:txBody>
+          <a:bodyPr/>
+          <a:lstStyle/>
+          <a:p>
+            <a:r>
+              <a:rPr lang="en-US" dirty="0" smtClean="0"/>
+              <a:t>Stacking : may </a:t>
+            </a:r>
+            <a:r>
+              <a:rPr lang="en-US" smtClean="0"/>
+              <a:t>introduce Missing Values</a:t>
+            </a:r>
+            <a:endParaRPr lang="en-US" dirty="0"/>
+          </a:p>
+        </p:txBody>
+      </p:sp>
+      <p:pic>
+        <p:nvPicPr>
+          <p:cNvPr id="3" name="Picture 2"/>
+          <p:cNvPicPr>
+            <a:picLocks noChangeAspect="1"/>
+          </p:cNvPicPr>
+          <p:nvPr/>
+        </p:nvPicPr>
+        <p:blipFill>
+          <a:blip r:embed="rId2">
+            <a:extLst>
+              <a:ext uri="{28A0092B-C50C-407E-A947-70E740481C1C}">
+                <a14:useLocalDpi xmlns:a14="http://schemas.microsoft.com/office/drawing/2010/main" val="0"/>
+              </a:ext>
+            </a:extLst>
+          </a:blip>
+          <a:stretch>
+            <a:fillRect/>
+          </a:stretch>
+        </p:blipFill>
+        <p:spPr>
+          <a:xfrm>
+            <a:off x="1816100" y="2006600"/>
+            <a:ext cx="8547100" cy="2844800"/>
+          </a:xfrm>
+          <a:prstGeom prst="rect">
+            <a:avLst/>
+          </a:prstGeom>
+        </p:spPr>
+      </p:pic>
+    </p:spTree>
+    <p:extLst>
+      <p:ext uri="{BB962C8B-B14F-4D97-AF65-F5344CB8AC3E}">
+        <p14:creationId xmlns:p14="http://schemas.microsoft.com/office/powerpoint/2010/main" val="174939861"/>
+      </p:ext>
+    </p:extLst>
+  </p:cSld>
+  <p:clrMapOvr>
+    <a:masterClrMapping/>
+  </p:clrMapOvr>
+</p:sld>
+</file>
+
+<file path=ppt/slides/slide33.xml><?xml version="1.0" encoding="utf-8"?>
+<p:sld xmlns:a="http://schemas.openxmlformats.org/drawingml/2006/main" xmlns:r="http://schemas.openxmlformats.org/officeDocument/2006/relationships" xmlns:p="http://schemas.openxmlformats.org/presentationml/2006/main">
+  <p:cSld>
+    <p:spTree>
+      <p:nvGrpSpPr>
+        <p:cNvPr id="1" name=""/>
+        <p:cNvGrpSpPr/>
+        <p:nvPr/>
+      </p:nvGrpSpPr>
+      <p:grpSpPr>
+        <a:xfrm>
+          <a:off x="0" y="0"/>
+          <a:ext cx="0" cy="0"/>
+          <a:chOff x="0" y="0"/>
+          <a:chExt cx="0" cy="0"/>
+        </a:xfrm>
+      </p:grpSpPr>
+      <p:sp>
+        <p:nvSpPr>
+          <p:cNvPr id="2" name="Title 1"/>
+          <p:cNvSpPr>
+            <a:spLocks noGrp="1"/>
+          </p:cNvSpPr>
+          <p:nvPr>
+            <p:ph type="title"/>
+          </p:nvPr>
+        </p:nvSpPr>
+        <p:spPr/>
+        <p:txBody>
+          <a:bodyPr/>
+          <a:lstStyle/>
+          <a:p>
+            <a:r>
+              <a:rPr lang="en-US" dirty="0" smtClean="0"/>
+              <a:t>Stacking : may </a:t>
+            </a:r>
+            <a:r>
+              <a:rPr lang="en-US" smtClean="0"/>
+              <a:t>introduce Missing Values</a:t>
+            </a:r>
+            <a:endParaRPr lang="en-US" dirty="0"/>
+          </a:p>
+        </p:txBody>
+      </p:sp>
+      <p:pic>
+        <p:nvPicPr>
+          <p:cNvPr id="3" name="Picture 2"/>
+          <p:cNvPicPr>
+            <a:picLocks noChangeAspect="1"/>
+          </p:cNvPicPr>
+          <p:nvPr/>
+        </p:nvPicPr>
+        <p:blipFill>
+          <a:blip r:embed="rId2">
+            <a:extLst>
+              <a:ext uri="{28A0092B-C50C-407E-A947-70E740481C1C}">
+                <a14:useLocalDpi xmlns:a14="http://schemas.microsoft.com/office/drawing/2010/main" val="0"/>
+              </a:ext>
+            </a:extLst>
+          </a:blip>
+          <a:stretch>
+            <a:fillRect/>
+          </a:stretch>
+        </p:blipFill>
+        <p:spPr>
+          <a:xfrm>
+            <a:off x="1924050" y="1894840"/>
+            <a:ext cx="8686800" cy="3924300"/>
+          </a:xfrm>
+          <a:prstGeom prst="rect">
+            <a:avLst/>
+          </a:prstGeom>
+        </p:spPr>
+      </p:pic>
+    </p:spTree>
+    <p:extLst>
+      <p:ext uri="{BB962C8B-B14F-4D97-AF65-F5344CB8AC3E}">
+        <p14:creationId xmlns:p14="http://schemas.microsoft.com/office/powerpoint/2010/main" val="309131084"/>
+      </p:ext>
+    </p:extLst>
+  </p:cSld>
+  <p:clrMapOvr>
+    <a:masterClrMapping/>
+  </p:clrMapOvr>
+</p:sld>
+</file>
+
+<file path=ppt/slides/slide34.xml><?xml version="1.0" encoding="utf-8"?>
+<p:sld xmlns:a="http://schemas.openxmlformats.org/drawingml/2006/main" xmlns:r="http://schemas.openxmlformats.org/officeDocument/2006/relationships" xmlns:p="http://schemas.openxmlformats.org/presentationml/2006/main">
+  <p:cSld>
+    <p:spTree>
+      <p:nvGrpSpPr>
+        <p:cNvPr id="1" name=""/>
+        <p:cNvGrpSpPr/>
+        <p:nvPr/>
+      </p:nvGrpSpPr>
+      <p:grpSpPr>
+        <a:xfrm>
+          <a:off x="0" y="0"/>
+          <a:ext cx="0" cy="0"/>
+          <a:chOff x="0" y="0"/>
+          <a:chExt cx="0" cy="0"/>
+        </a:xfrm>
+      </p:grpSpPr>
+      <p:sp>
+        <p:nvSpPr>
+          <p:cNvPr id="2" name="Title 1"/>
+          <p:cNvSpPr>
+            <a:spLocks noGrp="1"/>
+          </p:cNvSpPr>
+          <p:nvPr>
+            <p:ph type="title"/>
+          </p:nvPr>
+        </p:nvSpPr>
         <p:spPr>
           <a:xfrm>
             <a:off x="903515" y="2765425"/>
@@ -6562,15 +7393,7 @@
           <a:p>
             <a:r>
               <a:rPr lang="en-US" dirty="0" smtClean="0"/>
-              <a:t>Open notebook: “</a:t>
-            </a:r>
-            <a:r>
-              <a:rPr lang="en-US" dirty="0" smtClean="0"/>
-              <a:t>lecture05.data.shaping</a:t>
-            </a:r>
-            <a:r>
-              <a:rPr lang="en-US" dirty="0" smtClean="0"/>
-              <a:t>”</a:t>
+              <a:t>Open notebook: “lecture05.data.shaping”</a:t>
             </a:r>
             <a:endParaRPr lang="en-US" dirty="0"/>
           </a:p>
@@ -6596,7 +7419,7 @@
 </p:sld>
 </file>
 
-<file path=ppt/slides/slide26.xml><?xml version="1.0" encoding="utf-8"?>
+<file path=ppt/slides/slide35.xml><?xml version="1.0" encoding="utf-8"?>
 <p:sld xmlns:a="http://schemas.openxmlformats.org/drawingml/2006/main" xmlns:r="http://schemas.openxmlformats.org/officeDocument/2006/relationships" xmlns:p="http://schemas.openxmlformats.org/presentationml/2006/main">
   <p:cSld>
     <p:spTree>
@@ -6695,14 +7518,12 @@
               <a:rPr lang="en-US" dirty="0" smtClean="0"/>
               <a:t>Clean</a:t>
             </a:r>
-            <a:endParaRPr lang="en-US" dirty="0" smtClean="0"/>
           </a:p>
           <a:p>
             <a:r>
               <a:rPr lang="en-US" b="1" dirty="0" smtClean="0"/>
               <a:t>Tableau</a:t>
             </a:r>
-            <a:endParaRPr lang="en-US" b="1" dirty="0" smtClean="0"/>
           </a:p>
           <a:p>
             <a:r>
@@ -6736,7 +7557,7 @@
 </p:sld>
 </file>
 
-<file path=ppt/slides/slide27.xml><?xml version="1.0" encoding="utf-8"?>
+<file path=ppt/slides/slide36.xml><?xml version="1.0" encoding="utf-8"?>
 <p:sld xmlns:a="http://schemas.openxmlformats.org/drawingml/2006/main" xmlns:r="http://schemas.openxmlformats.org/officeDocument/2006/relationships" xmlns:p="http://schemas.openxmlformats.org/presentationml/2006/main">
   <p:cSld>
     <p:spTree>
@@ -6802,7 +7623,7 @@
 </p:sld>
 </file>
 
-<file path=ppt/slides/slide28.xml><?xml version="1.0" encoding="utf-8"?>
+<file path=ppt/slides/slide37.xml><?xml version="1.0" encoding="utf-8"?>
 <p:sld xmlns:a="http://schemas.openxmlformats.org/drawingml/2006/main" xmlns:r="http://schemas.openxmlformats.org/officeDocument/2006/relationships" xmlns:p="http://schemas.openxmlformats.org/presentationml/2006/main">
   <p:cSld>
     <p:spTree>
@@ -6869,7 +7690,7 @@
 </p:sld>
 </file>
 
-<file path=ppt/slides/slide29.xml><?xml version="1.0" encoding="utf-8"?>
+<file path=ppt/slides/slide38.xml><?xml version="1.0" encoding="utf-8"?>
 <p:sld xmlns:a="http://schemas.openxmlformats.org/drawingml/2006/main" xmlns:r="http://schemas.openxmlformats.org/officeDocument/2006/relationships" xmlns:p="http://schemas.openxmlformats.org/presentationml/2006/main">
   <p:cSld>
     <p:spTree>
@@ -6903,11 +7724,7 @@
           <a:p>
             <a:r>
               <a:rPr lang="en-US" dirty="0" smtClean="0"/>
-              <a:t>Student Tableau </a:t>
-            </a:r>
-            <a:r>
-              <a:rPr lang="en-US" dirty="0" smtClean="0"/>
-              <a:t>License</a:t>
+              <a:t>Student Tableau License</a:t>
             </a:r>
             <a:endParaRPr lang="en-US" dirty="0"/>
           </a:p>
@@ -6988,73 +7805,7 @@
 </p:sld>
 </file>
 
-<file path=ppt/slides/slide3.xml><?xml version="1.0" encoding="utf-8"?>
-<p:sld xmlns:a="http://schemas.openxmlformats.org/drawingml/2006/main" xmlns:r="http://schemas.openxmlformats.org/officeDocument/2006/relationships" xmlns:p="http://schemas.openxmlformats.org/presentationml/2006/main">
-  <p:cSld>
-    <p:spTree>
-      <p:nvGrpSpPr>
-        <p:cNvPr id="1" name=""/>
-        <p:cNvGrpSpPr/>
-        <p:nvPr/>
-      </p:nvGrpSpPr>
-      <p:grpSpPr>
-        <a:xfrm>
-          <a:off x="0" y="0"/>
-          <a:ext cx="0" cy="0"/>
-          <a:chOff x="0" y="0"/>
-          <a:chExt cx="0" cy="0"/>
-        </a:xfrm>
-      </p:grpSpPr>
-      <p:sp>
-        <p:nvSpPr>
-          <p:cNvPr id="2" name="Title 1"/>
-          <p:cNvSpPr>
-            <a:spLocks noGrp="1"/>
-          </p:cNvSpPr>
-          <p:nvPr>
-            <p:ph type="title"/>
-          </p:nvPr>
-        </p:nvSpPr>
-        <p:spPr>
-          <a:xfrm>
-            <a:off x="895350" y="2411095"/>
-            <a:ext cx="10515600" cy="1325563"/>
-          </a:xfrm>
-        </p:spPr>
-        <p:txBody>
-          <a:bodyPr/>
-          <a:lstStyle/>
-          <a:p>
-            <a:pPr algn="ctr"/>
-            <a:r>
-              <a:rPr lang="en-US" dirty="0" smtClean="0"/>
-              <a:t>Midterm</a:t>
-            </a:r>
-            <a:endParaRPr lang="en-US" dirty="0"/>
-          </a:p>
-        </p:txBody>
-      </p:sp>
-    </p:spTree>
-    <p:extLst>
-      <p:ext uri="{BB962C8B-B14F-4D97-AF65-F5344CB8AC3E}">
-        <p14:creationId xmlns:p14="http://schemas.microsoft.com/office/powerpoint/2010/main" val="1646371099"/>
-      </p:ext>
-    </p:extLst>
-  </p:cSld>
-  <p:clrMapOvr>
-    <a:masterClrMapping/>
-  </p:clrMapOvr>
-  <p:timing>
-    <p:tnLst>
-      <p:par>
-        <p:cTn id="1" dur="indefinite" restart="never" nodeType="tmRoot"/>
-      </p:par>
-    </p:tnLst>
-  </p:timing>
-</p:sld>
-</file>
-
-<file path=ppt/slides/slide30.xml><?xml version="1.0" encoding="utf-8"?>
+<file path=ppt/slides/slide39.xml><?xml version="1.0" encoding="utf-8"?>
 <p:sld xmlns:a="http://schemas.openxmlformats.org/drawingml/2006/main" xmlns:r="http://schemas.openxmlformats.org/officeDocument/2006/relationships" xmlns:p="http://schemas.openxmlformats.org/presentationml/2006/main">
   <p:cSld>
     <p:spTree>
@@ -7627,7 +8378,127 @@
 </p:sld>
 </file>
 
-<file path=ppt/slides/slide31.xml><?xml version="1.0" encoding="utf-8"?>
+<file path=ppt/slides/slide4.xml><?xml version="1.0" encoding="utf-8"?>
+<p:sld xmlns:a="http://schemas.openxmlformats.org/drawingml/2006/main" xmlns:r="http://schemas.openxmlformats.org/officeDocument/2006/relationships" xmlns:p="http://schemas.openxmlformats.org/presentationml/2006/main">
+  <p:cSld>
+    <p:spTree>
+      <p:nvGrpSpPr>
+        <p:cNvPr id="1" name=""/>
+        <p:cNvGrpSpPr/>
+        <p:nvPr/>
+      </p:nvGrpSpPr>
+      <p:grpSpPr>
+        <a:xfrm>
+          <a:off x="0" y="0"/>
+          <a:ext cx="0" cy="0"/>
+          <a:chOff x="0" y="0"/>
+          <a:chExt cx="0" cy="0"/>
+        </a:xfrm>
+      </p:grpSpPr>
+      <p:sp>
+        <p:nvSpPr>
+          <p:cNvPr id="2" name="Title 1"/>
+          <p:cNvSpPr>
+            <a:spLocks noGrp="1"/>
+          </p:cNvSpPr>
+          <p:nvPr>
+            <p:ph type="title"/>
+          </p:nvPr>
+        </p:nvSpPr>
+        <p:spPr/>
+        <p:txBody>
+          <a:bodyPr/>
+          <a:lstStyle/>
+          <a:p>
+            <a:r>
+              <a:rPr lang="en-US" dirty="0" smtClean="0"/>
+              <a:t>Midterm – 2 parts</a:t>
+            </a:r>
+            <a:endParaRPr lang="en-US" dirty="0"/>
+          </a:p>
+        </p:txBody>
+      </p:sp>
+      <p:sp>
+        <p:nvSpPr>
+          <p:cNvPr id="3" name="Content Placeholder 2"/>
+          <p:cNvSpPr>
+            <a:spLocks noGrp="1"/>
+          </p:cNvSpPr>
+          <p:nvPr>
+            <p:ph idx="1"/>
+          </p:nvPr>
+        </p:nvSpPr>
+        <p:spPr/>
+        <p:txBody>
+          <a:bodyPr/>
+          <a:lstStyle/>
+          <a:p>
+            <a:r>
+              <a:rPr lang="en-US" dirty="0" smtClean="0"/>
+              <a:t>In-class (20 questions, 1 hour)</a:t>
+            </a:r>
+          </a:p>
+          <a:p>
+            <a:r>
+              <a:rPr lang="en-US" dirty="0" smtClean="0"/>
+              <a:t>Take-home (1 dataset)</a:t>
+            </a:r>
+          </a:p>
+          <a:p>
+            <a:pPr lvl="1"/>
+            <a:r>
+              <a:rPr lang="en-US" dirty="0" smtClean="0"/>
+              <a:t>Will be in Camino by Sunday</a:t>
+            </a:r>
+          </a:p>
+          <a:p>
+            <a:pPr lvl="1"/>
+            <a:r>
+              <a:rPr lang="en-US" dirty="0" smtClean="0"/>
+              <a:t>Due date next Saturday</a:t>
+            </a:r>
+            <a:br>
+              <a:rPr lang="en-US" dirty="0" smtClean="0"/>
+            </a:br>
+            <a:r>
+              <a:rPr lang="en-US" dirty="0" smtClean="0"/>
+              <a:t/>
+            </a:r>
+            <a:br>
+              <a:rPr lang="en-US" dirty="0" smtClean="0"/>
+            </a:br>
+            <a:r>
+              <a:rPr lang="en-US" dirty="0" smtClean="0"/>
+              <a:t/>
+            </a:r>
+            <a:br>
+              <a:rPr lang="en-US" dirty="0" smtClean="0"/>
+            </a:br>
+            <a:endParaRPr lang="en-US" dirty="0" smtClean="0"/>
+          </a:p>
+        </p:txBody>
+      </p:sp>
+    </p:spTree>
+    <p:extLst>
+      <p:ext uri="{BB962C8B-B14F-4D97-AF65-F5344CB8AC3E}">
+        <p14:creationId xmlns:p14="http://schemas.microsoft.com/office/powerpoint/2010/main" val="232269298"/>
+      </p:ext>
+    </p:extLst>
+  </p:cSld>
+  <p:clrMapOvr>
+    <a:masterClrMapping/>
+  </p:clrMapOvr>
+  <p:timing>
+    <p:tnLst>
+      <p:par>
+        <p:cTn id="1" dur="indefinite" restart="never" nodeType="tmRoot"/>
+      </p:par>
+    </p:tnLst>
+  </p:timing>
+</p:sld>
+</file>
+
+<file path=ppt/slides/slide40.xml><?xml version="1.0" encoding="utf-8"?>
 <p:sld xmlns:a="http://schemas.openxmlformats.org/drawingml/2006/main" xmlns:r="http://schemas.openxmlformats.org/officeDocument/2006/relationships" xmlns:p="http://schemas.openxmlformats.org/presentationml/2006/main">
   <p:cSld>
     <p:spTree>
@@ -8024,7 +8895,7 @@
 </p:sld>
 </file>
 
-<file path=ppt/slides/slide32.xml><?xml version="1.0" encoding="utf-8"?>
+<file path=ppt/slides/slide41.xml><?xml version="1.0" encoding="utf-8"?>
 <p:sld xmlns:a="http://schemas.openxmlformats.org/drawingml/2006/main" xmlns:r="http://schemas.openxmlformats.org/officeDocument/2006/relationships" xmlns:p="http://schemas.openxmlformats.org/presentationml/2006/main">
   <p:cSld>
     <p:spTree>
@@ -8113,7 +8984,7 @@
 </p:sld>
 </file>
 
-<file path=ppt/slides/slide33.xml><?xml version="1.0" encoding="utf-8"?>
+<file path=ppt/slides/slide42.xml><?xml version="1.0" encoding="utf-8"?>
 <p:sld xmlns:a="http://schemas.openxmlformats.org/drawingml/2006/main" xmlns:r="http://schemas.openxmlformats.org/officeDocument/2006/relationships" xmlns:p="http://schemas.openxmlformats.org/presentationml/2006/main">
   <p:cSld>
     <p:spTree>
@@ -8203,7 +9074,7 @@
 </p:sld>
 </file>
 
-<file path=ppt/slides/slide34.xml><?xml version="1.0" encoding="utf-8"?>
+<file path=ppt/slides/slide43.xml><?xml version="1.0" encoding="utf-8"?>
 <p:sld xmlns:a="http://schemas.openxmlformats.org/drawingml/2006/main" xmlns:r="http://schemas.openxmlformats.org/officeDocument/2006/relationships" xmlns:p="http://schemas.openxmlformats.org/presentationml/2006/main">
   <p:cSld>
     <p:spTree>
@@ -8293,7 +9164,7 @@
 </p:sld>
 </file>
 
-<file path=ppt/slides/slide35.xml><?xml version="1.0" encoding="utf-8"?>
+<file path=ppt/slides/slide44.xml><?xml version="1.0" encoding="utf-8"?>
 <p:sld xmlns:a="http://schemas.openxmlformats.org/drawingml/2006/main" xmlns:r="http://schemas.openxmlformats.org/officeDocument/2006/relationships" xmlns:p="http://schemas.openxmlformats.org/presentationml/2006/main">
   <p:cSld>
     <p:spTree>
@@ -8434,7 +9305,7 @@
 </p:sld>
 </file>
 
-<file path=ppt/slides/slide36.xml><?xml version="1.0" encoding="utf-8"?>
+<file path=ppt/slides/slide45.xml><?xml version="1.0" encoding="utf-8"?>
 <p:sld xmlns:a="http://schemas.openxmlformats.org/drawingml/2006/main" xmlns:r="http://schemas.openxmlformats.org/officeDocument/2006/relationships" xmlns:p="http://schemas.openxmlformats.org/presentationml/2006/main">
   <p:cSld>
     <p:spTree>
@@ -8533,14 +9404,12 @@
               <a:rPr lang="en-US" dirty="0" smtClean="0"/>
               <a:t>Clean</a:t>
             </a:r>
-            <a:endParaRPr lang="en-US" dirty="0" smtClean="0"/>
           </a:p>
           <a:p>
             <a:r>
               <a:rPr lang="en-US" dirty="0" smtClean="0"/>
               <a:t>Tableau</a:t>
             </a:r>
-            <a:endParaRPr lang="en-US" dirty="0" smtClean="0"/>
           </a:p>
           <a:p>
             <a:r>
@@ -8574,7 +9443,7 @@
 </p:sld>
 </file>
 
-<file path=ppt/slides/slide37.xml><?xml version="1.0" encoding="utf-8"?>
+<file path=ppt/slides/slide46.xml><?xml version="1.0" encoding="utf-8"?>
 <p:sld xmlns:a="http://schemas.openxmlformats.org/drawingml/2006/main" xmlns:r="http://schemas.openxmlformats.org/officeDocument/2006/relationships" xmlns:p="http://schemas.openxmlformats.org/presentationml/2006/main">
   <p:cSld>
     <p:spTree>
@@ -8640,7 +9509,7 @@
 </p:sld>
 </file>
 
-<file path=ppt/slides/slide38.xml><?xml version="1.0" encoding="utf-8"?>
+<file path=ppt/slides/slide47.xml><?xml version="1.0" encoding="utf-8"?>
 <p:sld xmlns:a="http://schemas.openxmlformats.org/drawingml/2006/main" xmlns:r="http://schemas.openxmlformats.org/officeDocument/2006/relationships" xmlns:p="http://schemas.openxmlformats.org/presentationml/2006/main">
   <p:cSld>
     <p:spTree>
@@ -8795,7 +9664,7 @@
 </p:sld>
 </file>
 
-<file path=ppt/slides/slide39.xml><?xml version="1.0" encoding="utf-8"?>
+<file path=ppt/slides/slide48.xml><?xml version="1.0" encoding="utf-8"?>
 <p:sld xmlns:a="http://schemas.openxmlformats.org/drawingml/2006/main" xmlns:r="http://schemas.openxmlformats.org/officeDocument/2006/relationships" xmlns:p="http://schemas.openxmlformats.org/presentationml/2006/main">
   <p:cSld>
     <p:spTree>
@@ -8883,135 +9752,7 @@
 </p:sld>
 </file>
 
-<file path=ppt/slides/slide4.xml><?xml version="1.0" encoding="utf-8"?>
-<p:sld xmlns:a="http://schemas.openxmlformats.org/drawingml/2006/main" xmlns:r="http://schemas.openxmlformats.org/officeDocument/2006/relationships" xmlns:p="http://schemas.openxmlformats.org/presentationml/2006/main">
-  <p:cSld>
-    <p:spTree>
-      <p:nvGrpSpPr>
-        <p:cNvPr id="1" name=""/>
-        <p:cNvGrpSpPr/>
-        <p:nvPr/>
-      </p:nvGrpSpPr>
-      <p:grpSpPr>
-        <a:xfrm>
-          <a:off x="0" y="0"/>
-          <a:ext cx="0" cy="0"/>
-          <a:chOff x="0" y="0"/>
-          <a:chExt cx="0" cy="0"/>
-        </a:xfrm>
-      </p:grpSpPr>
-      <p:sp>
-        <p:nvSpPr>
-          <p:cNvPr id="2" name="Title 1"/>
-          <p:cNvSpPr>
-            <a:spLocks noGrp="1"/>
-          </p:cNvSpPr>
-          <p:nvPr>
-            <p:ph type="title"/>
-          </p:nvPr>
-        </p:nvSpPr>
-        <p:spPr/>
-        <p:txBody>
-          <a:bodyPr/>
-          <a:lstStyle/>
-          <a:p>
-            <a:r>
-              <a:rPr lang="en-US" dirty="0" smtClean="0"/>
-              <a:t>Midterm – 2 parts</a:t>
-            </a:r>
-            <a:endParaRPr lang="en-US" dirty="0"/>
-          </a:p>
-        </p:txBody>
-      </p:sp>
-      <p:sp>
-        <p:nvSpPr>
-          <p:cNvPr id="3" name="Content Placeholder 2"/>
-          <p:cNvSpPr>
-            <a:spLocks noGrp="1"/>
-          </p:cNvSpPr>
-          <p:nvPr>
-            <p:ph idx="1"/>
-          </p:nvPr>
-        </p:nvSpPr>
-        <p:spPr/>
-        <p:txBody>
-          <a:bodyPr/>
-          <a:lstStyle/>
-          <a:p>
-            <a:r>
-              <a:rPr lang="en-US" dirty="0" smtClean="0"/>
-              <a:t>In-class (20 questions, 1 hour)</a:t>
-            </a:r>
-          </a:p>
-          <a:p>
-            <a:r>
-              <a:rPr lang="en-US" dirty="0" smtClean="0"/>
-              <a:t>Take-home (1 dataset</a:t>
-            </a:r>
-            <a:r>
-              <a:rPr lang="en-US" dirty="0" smtClean="0"/>
-              <a:t>)</a:t>
-            </a:r>
-          </a:p>
-          <a:p>
-            <a:pPr lvl="1"/>
-            <a:r>
-              <a:rPr lang="en-US" dirty="0" smtClean="0"/>
-              <a:t>Will be in Camino by Sunday</a:t>
-            </a:r>
-          </a:p>
-          <a:p>
-            <a:pPr lvl="1"/>
-            <a:r>
-              <a:rPr lang="en-US" dirty="0" smtClean="0"/>
-              <a:t>Due date next Saturday</a:t>
-            </a:r>
-            <a:r>
-              <a:rPr lang="en-US" dirty="0" smtClean="0"/>
-              <a:t/>
-            </a:r>
-            <a:br>
-              <a:rPr lang="en-US" dirty="0" smtClean="0"/>
-            </a:br>
-            <a:r>
-              <a:rPr lang="en-US" dirty="0" smtClean="0"/>
-              <a:t/>
-            </a:r>
-            <a:br>
-              <a:rPr lang="en-US" dirty="0" smtClean="0"/>
-            </a:br>
-            <a:r>
-              <a:rPr lang="en-US" dirty="0" smtClean="0"/>
-              <a:t/>
-            </a:r>
-            <a:br>
-              <a:rPr lang="en-US" dirty="0" smtClean="0"/>
-            </a:br>
-            <a:endParaRPr lang="en-US" dirty="0" smtClean="0"/>
-          </a:p>
-        </p:txBody>
-      </p:sp>
-    </p:spTree>
-    <p:extLst>
-      <p:ext uri="{BB962C8B-B14F-4D97-AF65-F5344CB8AC3E}">
-        <p14:creationId xmlns:p14="http://schemas.microsoft.com/office/powerpoint/2010/main" val="232269298"/>
-      </p:ext>
-    </p:extLst>
-  </p:cSld>
-  <p:clrMapOvr>
-    <a:masterClrMapping/>
-  </p:clrMapOvr>
-  <p:timing>
-    <p:tnLst>
-      <p:par>
-        <p:cTn id="1" dur="indefinite" restart="never" nodeType="tmRoot"/>
-      </p:par>
-    </p:tnLst>
-  </p:timing>
-</p:sld>
-</file>
-
-<file path=ppt/slides/slide40.xml><?xml version="1.0" encoding="utf-8"?>
+<file path=ppt/slides/slide49.xml><?xml version="1.0" encoding="utf-8"?>
 <p:sld xmlns:a="http://schemas.openxmlformats.org/drawingml/2006/main" xmlns:r="http://schemas.openxmlformats.org/officeDocument/2006/relationships" xmlns:p="http://schemas.openxmlformats.org/presentationml/2006/main">
   <p:cSld>
     <p:spTree>
@@ -9100,7 +9841,145 @@
 </p:sld>
 </file>
 
-<file path=ppt/slides/slide41.xml><?xml version="1.0" encoding="utf-8"?>
+<file path=ppt/slides/slide5.xml><?xml version="1.0" encoding="utf-8"?>
+<p:sld xmlns:a="http://schemas.openxmlformats.org/drawingml/2006/main" xmlns:r="http://schemas.openxmlformats.org/officeDocument/2006/relationships" xmlns:p="http://schemas.openxmlformats.org/presentationml/2006/main">
+  <p:cSld>
+    <p:spTree>
+      <p:nvGrpSpPr>
+        <p:cNvPr id="1" name=""/>
+        <p:cNvGrpSpPr/>
+        <p:nvPr/>
+      </p:nvGrpSpPr>
+      <p:grpSpPr>
+        <a:xfrm>
+          <a:off x="0" y="0"/>
+          <a:ext cx="0" cy="0"/>
+          <a:chOff x="0" y="0"/>
+          <a:chExt cx="0" cy="0"/>
+        </a:xfrm>
+      </p:grpSpPr>
+      <p:sp>
+        <p:nvSpPr>
+          <p:cNvPr id="2" name="Title 1"/>
+          <p:cNvSpPr>
+            <a:spLocks noGrp="1"/>
+          </p:cNvSpPr>
+          <p:nvPr>
+            <p:ph type="title"/>
+          </p:nvPr>
+        </p:nvSpPr>
+        <p:spPr/>
+        <p:txBody>
+          <a:bodyPr/>
+          <a:lstStyle/>
+          <a:p>
+            <a:r>
+              <a:rPr lang="en-US" smtClean="0"/>
+              <a:t>Agenda</a:t>
+            </a:r>
+            <a:endParaRPr lang="en-US"/>
+          </a:p>
+        </p:txBody>
+      </p:sp>
+      <p:sp>
+        <p:nvSpPr>
+          <p:cNvPr id="3" name="Content Placeholder 2"/>
+          <p:cNvSpPr>
+            <a:spLocks noGrp="1"/>
+          </p:cNvSpPr>
+          <p:nvPr>
+            <p:ph idx="1"/>
+          </p:nvPr>
+        </p:nvSpPr>
+        <p:spPr/>
+        <p:txBody>
+          <a:bodyPr>
+            <a:normAutofit/>
+          </a:bodyPr>
+          <a:lstStyle/>
+          <a:p>
+            <a:r>
+              <a:rPr lang="en-US" dirty="0"/>
+              <a:t>Midterm</a:t>
+            </a:r>
+          </a:p>
+          <a:p>
+            <a:r>
+              <a:rPr lang="en-US" b="1" dirty="0" smtClean="0"/>
+              <a:t>Final </a:t>
+            </a:r>
+            <a:r>
+              <a:rPr lang="en-US" b="1" dirty="0"/>
+              <a:t>Project</a:t>
+            </a:r>
+          </a:p>
+          <a:p>
+            <a:r>
+              <a:rPr lang="en-US" dirty="0" smtClean="0"/>
+              <a:t>Data Shaping</a:t>
+            </a:r>
+          </a:p>
+          <a:p>
+            <a:pPr lvl="1"/>
+            <a:r>
+              <a:rPr lang="en-US" dirty="0"/>
+              <a:t>Merge &amp; joins</a:t>
+            </a:r>
+          </a:p>
+          <a:p>
+            <a:pPr lvl="1"/>
+            <a:r>
+              <a:rPr lang="en-US" dirty="0" err="1"/>
+              <a:t>Concat</a:t>
+            </a:r>
+            <a:endParaRPr lang="en-US" dirty="0"/>
+          </a:p>
+          <a:p>
+            <a:pPr lvl="1"/>
+            <a:r>
+              <a:rPr lang="en-US" dirty="0" smtClean="0"/>
+              <a:t>Clean</a:t>
+            </a:r>
+          </a:p>
+          <a:p>
+            <a:r>
+              <a:rPr lang="en-US" dirty="0" smtClean="0"/>
+              <a:t>Tableau</a:t>
+            </a:r>
+          </a:p>
+          <a:p>
+            <a:r>
+              <a:rPr lang="en-US" dirty="0" err="1" smtClean="0"/>
+              <a:t>Matplotlib</a:t>
+            </a:r>
+            <a:endParaRPr lang="en-US" dirty="0" smtClean="0"/>
+          </a:p>
+          <a:p>
+            <a:endParaRPr lang="en-US" b="1" dirty="0"/>
+          </a:p>
+        </p:txBody>
+      </p:sp>
+    </p:spTree>
+    <p:extLst>
+      <p:ext uri="{BB962C8B-B14F-4D97-AF65-F5344CB8AC3E}">
+        <p14:creationId xmlns:p14="http://schemas.microsoft.com/office/powerpoint/2010/main" val="289355079"/>
+      </p:ext>
+    </p:extLst>
+  </p:cSld>
+  <p:clrMapOvr>
+    <a:masterClrMapping/>
+  </p:clrMapOvr>
+  <p:timing>
+    <p:tnLst>
+      <p:par>
+        <p:cTn id="1" dur="indefinite" restart="never" nodeType="tmRoot"/>
+      </p:par>
+    </p:tnLst>
+  </p:timing>
+</p:sld>
+</file>
+
+<file path=ppt/slides/slide50.xml><?xml version="1.0" encoding="utf-8"?>
 <p:sld xmlns:a="http://schemas.openxmlformats.org/drawingml/2006/main" xmlns:r="http://schemas.openxmlformats.org/officeDocument/2006/relationships" xmlns:p="http://schemas.openxmlformats.org/presentationml/2006/main">
   <p:cSld>
     <p:spTree>
@@ -9189,7 +10068,7 @@
 </p:sld>
 </file>
 
-<file path=ppt/slides/slide42.xml><?xml version="1.0" encoding="utf-8"?>
+<file path=ppt/slides/slide51.xml><?xml version="1.0" encoding="utf-8"?>
 <p:sld xmlns:a="http://schemas.openxmlformats.org/drawingml/2006/main" xmlns:r="http://schemas.openxmlformats.org/officeDocument/2006/relationships" xmlns:p="http://schemas.openxmlformats.org/presentationml/2006/main">
   <p:cSld>
     <p:spTree>
@@ -9288,146 +10167,6 @@
     <p:extLst>
       <p:ext uri="{BB962C8B-B14F-4D97-AF65-F5344CB8AC3E}">
         <p14:creationId xmlns:p14="http://schemas.microsoft.com/office/powerpoint/2010/main" val="670086561"/>
-      </p:ext>
-    </p:extLst>
-  </p:cSld>
-  <p:clrMapOvr>
-    <a:masterClrMapping/>
-  </p:clrMapOvr>
-  <p:timing>
-    <p:tnLst>
-      <p:par>
-        <p:cTn id="1" dur="indefinite" restart="never" nodeType="tmRoot"/>
-      </p:par>
-    </p:tnLst>
-  </p:timing>
-</p:sld>
-</file>
-
-<file path=ppt/slides/slide5.xml><?xml version="1.0" encoding="utf-8"?>
-<p:sld xmlns:a="http://schemas.openxmlformats.org/drawingml/2006/main" xmlns:r="http://schemas.openxmlformats.org/officeDocument/2006/relationships" xmlns:p="http://schemas.openxmlformats.org/presentationml/2006/main">
-  <p:cSld>
-    <p:spTree>
-      <p:nvGrpSpPr>
-        <p:cNvPr id="1" name=""/>
-        <p:cNvGrpSpPr/>
-        <p:nvPr/>
-      </p:nvGrpSpPr>
-      <p:grpSpPr>
-        <a:xfrm>
-          <a:off x="0" y="0"/>
-          <a:ext cx="0" cy="0"/>
-          <a:chOff x="0" y="0"/>
-          <a:chExt cx="0" cy="0"/>
-        </a:xfrm>
-      </p:grpSpPr>
-      <p:sp>
-        <p:nvSpPr>
-          <p:cNvPr id="2" name="Title 1"/>
-          <p:cNvSpPr>
-            <a:spLocks noGrp="1"/>
-          </p:cNvSpPr>
-          <p:nvPr>
-            <p:ph type="title"/>
-          </p:nvPr>
-        </p:nvSpPr>
-        <p:spPr/>
-        <p:txBody>
-          <a:bodyPr/>
-          <a:lstStyle/>
-          <a:p>
-            <a:r>
-              <a:rPr lang="en-US" smtClean="0"/>
-              <a:t>Agenda</a:t>
-            </a:r>
-            <a:endParaRPr lang="en-US"/>
-          </a:p>
-        </p:txBody>
-      </p:sp>
-      <p:sp>
-        <p:nvSpPr>
-          <p:cNvPr id="3" name="Content Placeholder 2"/>
-          <p:cNvSpPr>
-            <a:spLocks noGrp="1"/>
-          </p:cNvSpPr>
-          <p:nvPr>
-            <p:ph idx="1"/>
-          </p:nvPr>
-        </p:nvSpPr>
-        <p:spPr/>
-        <p:txBody>
-          <a:bodyPr>
-            <a:normAutofit/>
-          </a:bodyPr>
-          <a:lstStyle/>
-          <a:p>
-            <a:r>
-              <a:rPr lang="en-US" dirty="0"/>
-              <a:t>Midterm</a:t>
-            </a:r>
-          </a:p>
-          <a:p>
-            <a:r>
-              <a:rPr lang="en-US" b="1" dirty="0" smtClean="0"/>
-              <a:t>Final </a:t>
-            </a:r>
-            <a:r>
-              <a:rPr lang="en-US" b="1" dirty="0"/>
-              <a:t>Project</a:t>
-            </a:r>
-          </a:p>
-          <a:p>
-            <a:r>
-              <a:rPr lang="en-US" dirty="0" smtClean="0"/>
-              <a:t>Data Shaping</a:t>
-            </a:r>
-          </a:p>
-          <a:p>
-            <a:pPr lvl="1"/>
-            <a:r>
-              <a:rPr lang="en-US" dirty="0"/>
-              <a:t>Merge &amp; joins</a:t>
-            </a:r>
-          </a:p>
-          <a:p>
-            <a:pPr lvl="1"/>
-            <a:r>
-              <a:rPr lang="en-US" dirty="0" err="1"/>
-              <a:t>Concat</a:t>
-            </a:r>
-            <a:endParaRPr lang="en-US" dirty="0"/>
-          </a:p>
-          <a:p>
-            <a:pPr lvl="1"/>
-            <a:r>
-              <a:rPr lang="en-US" dirty="0" smtClean="0"/>
-              <a:t>Clean</a:t>
-            </a:r>
-            <a:endParaRPr lang="en-US" dirty="0" smtClean="0"/>
-          </a:p>
-          <a:p>
-            <a:r>
-              <a:rPr lang="en-US" dirty="0" smtClean="0"/>
-              <a:t>Tableau</a:t>
-            </a:r>
-            <a:endParaRPr lang="en-US" dirty="0" smtClean="0"/>
-          </a:p>
-          <a:p>
-            <a:r>
-              <a:rPr lang="en-US" dirty="0" err="1" smtClean="0"/>
-              <a:t>Matplotlib</a:t>
-            </a:r>
-            <a:endParaRPr lang="en-US" dirty="0" smtClean="0"/>
-          </a:p>
-          <a:p>
-            <a:endParaRPr lang="en-US" b="1" dirty="0"/>
-          </a:p>
-        </p:txBody>
-      </p:sp>
-    </p:spTree>
-    <p:extLst>
-      <p:ext uri="{BB962C8B-B14F-4D97-AF65-F5344CB8AC3E}">
-        <p14:creationId xmlns:p14="http://schemas.microsoft.com/office/powerpoint/2010/main" val="289355079"/>
       </p:ext>
     </p:extLst>
   </p:cSld>
